--- a/images/ERD_as_is.pptx
+++ b/images/ERD_as_is.pptx
@@ -243,7 +243,7 @@
           <a:p>
             <a:fld id="{D6598D8A-86F7-49BC-8713-CAAA73ADB189}" type="datetimeFigureOut">
               <a:rPr lang="en-US" smtClean="0"/>
-              <a:t>3/9/2018</a:t>
+              <a:t>1/28/2019</a:t>
             </a:fld>
             <a:endParaRPr lang="en-US"/>
           </a:p>
@@ -294,7 +294,7 @@
     </p:spTree>
     <p:extLst>
       <p:ext uri="{BB962C8B-B14F-4D97-AF65-F5344CB8AC3E}">
-        <p14:creationId xmlns:p14="http://schemas.microsoft.com/office/powerpoint/2010/main" val="3277307089"/>
+        <p14:creationId xmlns:p14="http://schemas.microsoft.com/office/powerpoint/2010/main" val="3330880052"/>
       </p:ext>
     </p:extLst>
   </p:cSld>
@@ -413,7 +413,7 @@
           <a:p>
             <a:fld id="{D6598D8A-86F7-49BC-8713-CAAA73ADB189}" type="datetimeFigureOut">
               <a:rPr lang="en-US" smtClean="0"/>
-              <a:t>3/9/2018</a:t>
+              <a:t>1/28/2019</a:t>
             </a:fld>
             <a:endParaRPr lang="en-US"/>
           </a:p>
@@ -464,7 +464,7 @@
     </p:spTree>
     <p:extLst>
       <p:ext uri="{BB962C8B-B14F-4D97-AF65-F5344CB8AC3E}">
-        <p14:creationId xmlns:p14="http://schemas.microsoft.com/office/powerpoint/2010/main" val="2285905534"/>
+        <p14:creationId xmlns:p14="http://schemas.microsoft.com/office/powerpoint/2010/main" val="1095715384"/>
       </p:ext>
     </p:extLst>
   </p:cSld>
@@ -593,7 +593,7 @@
           <a:p>
             <a:fld id="{D6598D8A-86F7-49BC-8713-CAAA73ADB189}" type="datetimeFigureOut">
               <a:rPr lang="en-US" smtClean="0"/>
-              <a:t>3/9/2018</a:t>
+              <a:t>1/28/2019</a:t>
             </a:fld>
             <a:endParaRPr lang="en-US"/>
           </a:p>
@@ -644,7 +644,7 @@
     </p:spTree>
     <p:extLst>
       <p:ext uri="{BB962C8B-B14F-4D97-AF65-F5344CB8AC3E}">
-        <p14:creationId xmlns:p14="http://schemas.microsoft.com/office/powerpoint/2010/main" val="38163478"/>
+        <p14:creationId xmlns:p14="http://schemas.microsoft.com/office/powerpoint/2010/main" val="325806455"/>
       </p:ext>
     </p:extLst>
   </p:cSld>
@@ -763,7 +763,7 @@
           <a:p>
             <a:fld id="{D6598D8A-86F7-49BC-8713-CAAA73ADB189}" type="datetimeFigureOut">
               <a:rPr lang="en-US" smtClean="0"/>
-              <a:t>3/9/2018</a:t>
+              <a:t>1/28/2019</a:t>
             </a:fld>
             <a:endParaRPr lang="en-US"/>
           </a:p>
@@ -814,7 +814,7 @@
     </p:spTree>
     <p:extLst>
       <p:ext uri="{BB962C8B-B14F-4D97-AF65-F5344CB8AC3E}">
-        <p14:creationId xmlns:p14="http://schemas.microsoft.com/office/powerpoint/2010/main" val="3862128977"/>
+        <p14:creationId xmlns:p14="http://schemas.microsoft.com/office/powerpoint/2010/main" val="1900875165"/>
       </p:ext>
     </p:extLst>
   </p:cSld>
@@ -1009,7 +1009,7 @@
           <a:p>
             <a:fld id="{D6598D8A-86F7-49BC-8713-CAAA73ADB189}" type="datetimeFigureOut">
               <a:rPr lang="en-US" smtClean="0"/>
-              <a:t>3/9/2018</a:t>
+              <a:t>1/28/2019</a:t>
             </a:fld>
             <a:endParaRPr lang="en-US"/>
           </a:p>
@@ -1060,7 +1060,7 @@
     </p:spTree>
     <p:extLst>
       <p:ext uri="{BB962C8B-B14F-4D97-AF65-F5344CB8AC3E}">
-        <p14:creationId xmlns:p14="http://schemas.microsoft.com/office/powerpoint/2010/main" val="1502755978"/>
+        <p14:creationId xmlns:p14="http://schemas.microsoft.com/office/powerpoint/2010/main" val="126098360"/>
       </p:ext>
     </p:extLst>
   </p:cSld>
@@ -1241,7 +1241,7 @@
           <a:p>
             <a:fld id="{D6598D8A-86F7-49BC-8713-CAAA73ADB189}" type="datetimeFigureOut">
               <a:rPr lang="en-US" smtClean="0"/>
-              <a:t>3/9/2018</a:t>
+              <a:t>1/28/2019</a:t>
             </a:fld>
             <a:endParaRPr lang="en-US"/>
           </a:p>
@@ -1292,7 +1292,7 @@
     </p:spTree>
     <p:extLst>
       <p:ext uri="{BB962C8B-B14F-4D97-AF65-F5344CB8AC3E}">
-        <p14:creationId xmlns:p14="http://schemas.microsoft.com/office/powerpoint/2010/main" val="1725940935"/>
+        <p14:creationId xmlns:p14="http://schemas.microsoft.com/office/powerpoint/2010/main" val="1893019721"/>
       </p:ext>
     </p:extLst>
   </p:cSld>
@@ -1608,7 +1608,7 @@
           <a:p>
             <a:fld id="{D6598D8A-86F7-49BC-8713-CAAA73ADB189}" type="datetimeFigureOut">
               <a:rPr lang="en-US" smtClean="0"/>
-              <a:t>3/9/2018</a:t>
+              <a:t>1/28/2019</a:t>
             </a:fld>
             <a:endParaRPr lang="en-US"/>
           </a:p>
@@ -1659,7 +1659,7 @@
     </p:spTree>
     <p:extLst>
       <p:ext uri="{BB962C8B-B14F-4D97-AF65-F5344CB8AC3E}">
-        <p14:creationId xmlns:p14="http://schemas.microsoft.com/office/powerpoint/2010/main" val="4221343455"/>
+        <p14:creationId xmlns:p14="http://schemas.microsoft.com/office/powerpoint/2010/main" val="1682122045"/>
       </p:ext>
     </p:extLst>
   </p:cSld>
@@ -1726,7 +1726,7 @@
           <a:p>
             <a:fld id="{D6598D8A-86F7-49BC-8713-CAAA73ADB189}" type="datetimeFigureOut">
               <a:rPr lang="en-US" smtClean="0"/>
-              <a:t>3/9/2018</a:t>
+              <a:t>1/28/2019</a:t>
             </a:fld>
             <a:endParaRPr lang="en-US"/>
           </a:p>
@@ -1777,7 +1777,7 @@
     </p:spTree>
     <p:extLst>
       <p:ext uri="{BB962C8B-B14F-4D97-AF65-F5344CB8AC3E}">
-        <p14:creationId xmlns:p14="http://schemas.microsoft.com/office/powerpoint/2010/main" val="743708292"/>
+        <p14:creationId xmlns:p14="http://schemas.microsoft.com/office/powerpoint/2010/main" val="4055804714"/>
       </p:ext>
     </p:extLst>
   </p:cSld>
@@ -1821,7 +1821,7 @@
           <a:p>
             <a:fld id="{D6598D8A-86F7-49BC-8713-CAAA73ADB189}" type="datetimeFigureOut">
               <a:rPr lang="en-US" smtClean="0"/>
-              <a:t>3/9/2018</a:t>
+              <a:t>1/28/2019</a:t>
             </a:fld>
             <a:endParaRPr lang="en-US"/>
           </a:p>
@@ -1872,7 +1872,7 @@
     </p:spTree>
     <p:extLst>
       <p:ext uri="{BB962C8B-B14F-4D97-AF65-F5344CB8AC3E}">
-        <p14:creationId xmlns:p14="http://schemas.microsoft.com/office/powerpoint/2010/main" val="3333132402"/>
+        <p14:creationId xmlns:p14="http://schemas.microsoft.com/office/powerpoint/2010/main" val="2227030859"/>
       </p:ext>
     </p:extLst>
   </p:cSld>
@@ -2098,7 +2098,7 @@
           <a:p>
             <a:fld id="{D6598D8A-86F7-49BC-8713-CAAA73ADB189}" type="datetimeFigureOut">
               <a:rPr lang="en-US" smtClean="0"/>
-              <a:t>3/9/2018</a:t>
+              <a:t>1/28/2019</a:t>
             </a:fld>
             <a:endParaRPr lang="en-US"/>
           </a:p>
@@ -2149,7 +2149,7 @@
     </p:spTree>
     <p:extLst>
       <p:ext uri="{BB962C8B-B14F-4D97-AF65-F5344CB8AC3E}">
-        <p14:creationId xmlns:p14="http://schemas.microsoft.com/office/powerpoint/2010/main" val="654380863"/>
+        <p14:creationId xmlns:p14="http://schemas.microsoft.com/office/powerpoint/2010/main" val="4243729323"/>
       </p:ext>
     </p:extLst>
   </p:cSld>
@@ -2355,7 +2355,7 @@
           <a:p>
             <a:fld id="{D6598D8A-86F7-49BC-8713-CAAA73ADB189}" type="datetimeFigureOut">
               <a:rPr lang="en-US" smtClean="0"/>
-              <a:t>3/9/2018</a:t>
+              <a:t>1/28/2019</a:t>
             </a:fld>
             <a:endParaRPr lang="en-US"/>
           </a:p>
@@ -2406,7 +2406,7 @@
     </p:spTree>
     <p:extLst>
       <p:ext uri="{BB962C8B-B14F-4D97-AF65-F5344CB8AC3E}">
-        <p14:creationId xmlns:p14="http://schemas.microsoft.com/office/powerpoint/2010/main" val="2866351811"/>
+        <p14:creationId xmlns:p14="http://schemas.microsoft.com/office/powerpoint/2010/main" val="3264825304"/>
       </p:ext>
     </p:extLst>
   </p:cSld>
@@ -2568,7 +2568,7 @@
           <a:p>
             <a:fld id="{D6598D8A-86F7-49BC-8713-CAAA73ADB189}" type="datetimeFigureOut">
               <a:rPr lang="en-US" smtClean="0"/>
-              <a:t>3/9/2018</a:t>
+              <a:t>1/28/2019</a:t>
             </a:fld>
             <a:endParaRPr lang="en-US"/>
           </a:p>
@@ -2655,7 +2655,7 @@
     </p:spTree>
     <p:extLst>
       <p:ext uri="{BB962C8B-B14F-4D97-AF65-F5344CB8AC3E}">
-        <p14:creationId xmlns:p14="http://schemas.microsoft.com/office/powerpoint/2010/main" val="1399643842"/>
+        <p14:creationId xmlns:p14="http://schemas.microsoft.com/office/powerpoint/2010/main" val="3895877429"/>
       </p:ext>
     </p:extLst>
   </p:cSld>
@@ -3071,15 +3071,15 @@
         </p:spPr>
         <p:style>
           <a:lnRef idx="2">
-            <a:schemeClr val="accent1">
+            <a:schemeClr val="accent3">
               <a:shade val="50000"/>
             </a:schemeClr>
           </a:lnRef>
           <a:fillRef idx="1">
-            <a:schemeClr val="accent1"/>
+            <a:schemeClr val="accent3"/>
           </a:fillRef>
           <a:effectRef idx="0">
-            <a:schemeClr val="accent1"/>
+            <a:schemeClr val="accent3"/>
           </a:effectRef>
           <a:fontRef idx="minor">
             <a:schemeClr val="lt1"/>
@@ -3133,15 +3133,15 @@
           </p:spPr>
           <p:style>
             <a:lnRef idx="2">
-              <a:schemeClr val="accent6">
+              <a:schemeClr val="accent3">
                 <a:shade val="50000"/>
               </a:schemeClr>
             </a:lnRef>
             <a:fillRef idx="1">
-              <a:schemeClr val="accent6"/>
+              <a:schemeClr val="accent3"/>
             </a:fillRef>
             <a:effectRef idx="0">
-              <a:schemeClr val="accent6"/>
+              <a:schemeClr val="accent3"/>
             </a:effectRef>
             <a:fontRef idx="minor">
               <a:schemeClr val="lt1"/>
@@ -3178,15 +3178,15 @@
           </p:spPr>
           <p:style>
             <a:lnRef idx="2">
-              <a:schemeClr val="accent6">
+              <a:schemeClr val="accent3">
                 <a:shade val="50000"/>
               </a:schemeClr>
             </a:lnRef>
             <a:fillRef idx="1">
-              <a:schemeClr val="accent6"/>
+              <a:schemeClr val="accent3"/>
             </a:fillRef>
             <a:effectRef idx="0">
-              <a:schemeClr val="accent6"/>
+              <a:schemeClr val="accent3"/>
             </a:effectRef>
             <a:fontRef idx="minor">
               <a:schemeClr val="lt1"/>
@@ -3264,7 +3264,7 @@
             <a:p>
               <a:pPr algn="ctr"/>
               <a:r>
-                <a:rPr lang="en-US" sz="1400" i="1" dirty="0"/>
+                <a:rPr lang="en-US" sz="1605" dirty="0"/>
                 <a:t>POLYGON</a:t>
               </a:r>
             </a:p>
@@ -3310,14 +3310,14 @@
             <a:p>
               <a:pPr algn="ctr"/>
               <a:r>
-                <a:rPr lang="en-US" sz="1605" b="1" dirty="0"/>
+                <a:rPr lang="en-US" sz="1605" dirty="0"/>
                 <a:t>LAGOS-NE Lake </a:t>
               </a:r>
             </a:p>
             <a:p>
               <a:pPr algn="ctr"/>
               <a:r>
-                <a:rPr lang="en-US" sz="1605" b="1" dirty="0"/>
+                <a:rPr lang="en-US" sz="1605" dirty="0"/>
                 <a:t>(NHD-HR 2013)</a:t>
               </a:r>
             </a:p>
@@ -3378,7 +3378,7 @@
             <a:p>
               <a:pPr algn="ctr"/>
               <a:r>
-                <a:rPr lang="en-US" sz="1400" i="1" dirty="0"/>
+                <a:rPr lang="en-US" sz="1605" dirty="0"/>
                 <a:t>POINT</a:t>
               </a:r>
             </a:p>
@@ -3424,7 +3424,7 @@
             <a:p>
               <a:pPr algn="ctr"/>
               <a:r>
-                <a:rPr lang="en-US" sz="1605" b="1" dirty="0"/>
+                <a:rPr lang="en-US" sz="1605" dirty="0"/>
                 <a:t>WQP Monitoring Site</a:t>
               </a:r>
             </a:p>
@@ -3485,7 +3485,7 @@
             <a:p>
               <a:pPr algn="ctr"/>
               <a:r>
-                <a:rPr lang="en-US" sz="1400" i="1" dirty="0"/>
+                <a:rPr lang="en-US" sz="1605" dirty="0"/>
                 <a:t>POLYGON</a:t>
               </a:r>
             </a:p>
@@ -3531,12 +3531,8 @@
             <a:p>
               <a:pPr algn="ctr"/>
               <a:r>
-                <a:rPr lang="en-US" sz="1605" b="1" smtClean="0"/>
-                <a:t>NHDPlusV2 </a:t>
-              </a:r>
-              <a:r>
-                <a:rPr lang="en-US" sz="1605" b="1" dirty="0"/>
-                <a:t>Lake</a:t>
+                <a:rPr lang="en-US" sz="1605" dirty="0"/>
+                <a:t>NHDPlusv2 Lake</a:t>
               </a:r>
             </a:p>
           </p:txBody>
@@ -3559,15 +3555,15 @@
         </p:spPr>
         <p:style>
           <a:lnRef idx="2">
-            <a:schemeClr val="accent1">
+            <a:schemeClr val="accent3">
               <a:shade val="50000"/>
             </a:schemeClr>
           </a:lnRef>
           <a:fillRef idx="1">
-            <a:schemeClr val="accent1"/>
+            <a:schemeClr val="accent3"/>
           </a:fillRef>
           <a:effectRef idx="0">
-            <a:schemeClr val="accent1"/>
+            <a:schemeClr val="accent3"/>
           </a:effectRef>
           <a:fontRef idx="minor">
             <a:schemeClr val="lt1"/>
@@ -3582,31 +3578,11 @@
           </a:bodyPr>
           <a:lstStyle/>
           <a:p>
-            <a:pPr algn="ctr">
-              <a:lnSpc>
-                <a:spcPts val="1100"/>
-              </a:lnSpc>
-            </a:pPr>
+            <a:pPr algn="ctr"/>
             <a:r>
               <a:rPr lang="en-US" sz="1391" dirty="0"/>
-              <a:t>shares </a:t>
-            </a:r>
-            <a:r>
-              <a:rPr lang="en-US" sz="1391" dirty="0" smtClean="0"/>
-              <a:t>reach</a:t>
-            </a:r>
-          </a:p>
-          <a:p>
-            <a:pPr algn="ctr">
-              <a:lnSpc>
-                <a:spcPts val="1100"/>
-              </a:lnSpc>
-            </a:pPr>
-            <a:r>
-              <a:rPr lang="en-US" sz="1391" dirty="0" smtClean="0"/>
-              <a:t>code</a:t>
-            </a:r>
-            <a:endParaRPr lang="en-US" sz="1391" dirty="0"/>
+              <a:t>shares reach</a:t>
+            </a:r>
           </a:p>
         </p:txBody>
       </p:sp>
@@ -3776,15 +3752,15 @@
           </p:spPr>
           <p:style>
             <a:lnRef idx="2">
-              <a:schemeClr val="accent6">
+              <a:schemeClr val="accent3">
                 <a:shade val="50000"/>
               </a:schemeClr>
             </a:lnRef>
             <a:fillRef idx="1">
-              <a:schemeClr val="accent6"/>
+              <a:schemeClr val="accent3"/>
             </a:fillRef>
             <a:effectRef idx="0">
-              <a:schemeClr val="accent6"/>
+              <a:schemeClr val="accent3"/>
             </a:effectRef>
             <a:fontRef idx="minor">
               <a:schemeClr val="lt1"/>
@@ -3821,15 +3797,15 @@
           </p:spPr>
           <p:style>
             <a:lnRef idx="2">
-              <a:schemeClr val="accent6">
+              <a:schemeClr val="accent3">
                 <a:shade val="50000"/>
               </a:schemeClr>
             </a:lnRef>
             <a:fillRef idx="1">
-              <a:schemeClr val="accent6"/>
+              <a:schemeClr val="accent3"/>
             </a:fillRef>
             <a:effectRef idx="0">
-              <a:schemeClr val="accent6"/>
+              <a:schemeClr val="accent3"/>
             </a:effectRef>
             <a:fontRef idx="minor">
               <a:schemeClr val="lt1"/>
@@ -3923,18 +3899,20 @@
         <p:nvCxnSpPr>
           <p:cNvPr id="80" name="Elbow Connector 79"/>
           <p:cNvCxnSpPr>
-            <a:stCxn id="3" idx="0"/>
+            <a:stCxn id="3" idx="1"/>
             <a:endCxn id="78" idx="1"/>
           </p:cNvCxnSpPr>
           <p:nvPr/>
         </p:nvCxnSpPr>
         <p:spPr>
-          <a:xfrm rot="5400000" flipH="1" flipV="1">
-            <a:off x="2773663" y="366231"/>
-            <a:ext cx="1310536" cy="3273734"/>
-          </a:xfrm>
-          <a:prstGeom prst="bentConnector2">
-            <a:avLst/>
+          <a:xfrm rot="10800000" flipH="1">
+            <a:off x="1146875" y="813286"/>
+            <a:ext cx="3918924" cy="2172837"/>
+          </a:xfrm>
+          <a:prstGeom prst="bentConnector3">
+            <a:avLst>
+              <a:gd name="adj1" fmla="val -5833"/>
+            </a:avLst>
           </a:prstGeom>
         </p:spPr>
         <p:style>
@@ -3963,8 +3941,8 @@
         </p:nvCxnSpPr>
         <p:spPr>
           <a:xfrm>
-            <a:off x="6733500" y="1347829"/>
-            <a:ext cx="3056505" cy="1310536"/>
+            <a:off x="6733496" y="813285"/>
+            <a:ext cx="3056506" cy="1845080"/>
           </a:xfrm>
           <a:prstGeom prst="bentConnector2">
             <a:avLst/>
@@ -3993,7 +3971,7 @@
         </p:nvSpPr>
         <p:spPr>
           <a:xfrm>
-            <a:off x="5065800" y="1011617"/>
+            <a:off x="5065799" y="477072"/>
             <a:ext cx="1667697" cy="672426"/>
           </a:xfrm>
           <a:prstGeom prst="flowChartDecision">
@@ -4002,15 +3980,15 @@
         </p:spPr>
         <p:style>
           <a:lnRef idx="2">
-            <a:schemeClr val="accent1">
+            <a:schemeClr val="accent3">
               <a:shade val="50000"/>
             </a:schemeClr>
           </a:lnRef>
           <a:fillRef idx="1">
-            <a:schemeClr val="accent1"/>
+            <a:schemeClr val="accent3"/>
           </a:fillRef>
           <a:effectRef idx="0">
-            <a:schemeClr val="accent1"/>
+            <a:schemeClr val="accent3"/>
           </a:effectRef>
           <a:fontRef idx="minor">
             <a:schemeClr val="lt1"/>
@@ -4116,15 +4094,15 @@
         </p:spPr>
         <p:style>
           <a:lnRef idx="2">
-            <a:schemeClr val="accent1">
+            <a:schemeClr val="accent3">
               <a:shade val="50000"/>
             </a:schemeClr>
           </a:lnRef>
           <a:fillRef idx="1">
-            <a:schemeClr val="accent1"/>
+            <a:schemeClr val="accent3"/>
           </a:fillRef>
           <a:effectRef idx="0">
-            <a:schemeClr val="accent1"/>
+            <a:schemeClr val="accent3"/>
           </a:effectRef>
           <a:fontRef idx="minor">
             <a:schemeClr val="lt1"/>
@@ -4139,27 +4117,11 @@
           </a:bodyPr>
           <a:lstStyle/>
           <a:p>
-            <a:pPr algn="ctr">
-              <a:lnSpc>
-                <a:spcPts val="1100"/>
-              </a:lnSpc>
-            </a:pPr>
+            <a:pPr algn="ctr"/>
             <a:r>
               <a:rPr lang="en-US" sz="1391" dirty="0"/>
               <a:t>shares reach</a:t>
             </a:r>
-          </a:p>
-          <a:p>
-            <a:pPr algn="ctr">
-              <a:lnSpc>
-                <a:spcPts val="1100"/>
-              </a:lnSpc>
-            </a:pPr>
-            <a:r>
-              <a:rPr lang="en-US" sz="1391" dirty="0"/>
-              <a:t>code</a:t>
-            </a:r>
-            <a:endParaRPr lang="en-US" sz="1391" dirty="0"/>
           </a:p>
         </p:txBody>
       </p:sp>
@@ -4344,22 +4306,22 @@
         </p:spPr>
         <p:style>
           <a:lnRef idx="2">
-            <a:schemeClr val="accent1">
+            <a:schemeClr val="accent3">
               <a:shade val="50000"/>
             </a:schemeClr>
           </a:lnRef>
           <a:fillRef idx="1">
-            <a:schemeClr val="accent1"/>
+            <a:schemeClr val="accent3"/>
           </a:fillRef>
           <a:effectRef idx="0">
-            <a:schemeClr val="accent1"/>
+            <a:schemeClr val="accent3"/>
           </a:effectRef>
           <a:fontRef idx="minor">
             <a:schemeClr val="lt1"/>
           </a:fontRef>
         </p:style>
         <p:txBody>
-          <a:bodyPr rot="0" spcFirstLastPara="0" vertOverflow="overflow" horzOverflow="overflow" vert="horz" wrap="square" lIns="0" tIns="0" rIns="0" bIns="0" numCol="1" spcCol="0" rtlCol="0" fromWordArt="0" anchor="ctr" anchorCtr="0" forceAA="0" compatLnSpc="1">
+          <a:bodyPr rot="0" spcFirstLastPara="0" vertOverflow="overflow" horzOverflow="overflow" vert="horz" wrap="square" lIns="97838" tIns="48919" rIns="97838" bIns="48919" numCol="1" spcCol="0" rtlCol="0" fromWordArt="0" anchor="ctr" anchorCtr="0" forceAA="0" compatLnSpc="1">
             <a:prstTxWarp prst="textNoShape">
               <a:avLst/>
             </a:prstTxWarp>
@@ -4367,20 +4329,11 @@
           </a:bodyPr>
           <a:lstStyle/>
           <a:p>
-            <a:pPr algn="ctr">
-              <a:lnSpc>
-                <a:spcPts val="1100"/>
-              </a:lnSpc>
-            </a:pPr>
+            <a:pPr algn="ctr"/>
             <a:r>
               <a:rPr lang="en-US" sz="1391" dirty="0"/>
-              <a:t>i</a:t>
-            </a:r>
-            <a:r>
-              <a:rPr lang="en-US" sz="1391" dirty="0" smtClean="0"/>
-              <a:t>dentical to</a:t>
-            </a:r>
-            <a:endParaRPr lang="en-US" sz="1391" dirty="0"/>
+              <a:t>equals</a:t>
+            </a:r>
           </a:p>
         </p:txBody>
       </p:sp>
@@ -4504,7 +4457,7 @@
             <a:p>
               <a:pPr algn="ctr"/>
               <a:r>
-                <a:rPr lang="en-US" sz="1400" i="1" dirty="0"/>
+                <a:rPr lang="en-US" sz="1605" dirty="0"/>
                 <a:t>POLYGON</a:t>
               </a:r>
             </a:p>
@@ -4550,14 +4503,14 @@
             <a:p>
               <a:pPr algn="ctr"/>
               <a:r>
-                <a:rPr lang="en-US" sz="1605" b="1" dirty="0"/>
+                <a:rPr lang="en-US" sz="1605" dirty="0"/>
                 <a:t>LAGOS-US Lake </a:t>
               </a:r>
             </a:p>
             <a:p>
               <a:pPr algn="ctr"/>
               <a:r>
-                <a:rPr lang="en-US" sz="1605" b="1" dirty="0"/>
+                <a:rPr lang="en-US" sz="1605" dirty="0"/>
                 <a:t>(NHD-HR 2016)</a:t>
               </a:r>
             </a:p>
@@ -4618,7 +4571,7 @@
             <a:p>
               <a:pPr algn="ctr"/>
               <a:r>
-                <a:rPr lang="en-US" sz="1400" i="1" dirty="0"/>
+                <a:rPr lang="en-US" sz="1605" dirty="0"/>
                 <a:t>POINT</a:t>
               </a:r>
             </a:p>
@@ -4664,90 +4617,30 @@
             <a:p>
               <a:pPr algn="ctr"/>
               <a:r>
-                <a:rPr lang="en-US" sz="1605" b="1" dirty="0"/>
+                <a:rPr lang="en-US" sz="1605" dirty="0"/>
                 <a:t>GNIS Location</a:t>
               </a:r>
             </a:p>
           </p:txBody>
         </p:sp>
       </p:grpSp>
-      <p:sp>
-        <p:nvSpPr>
-          <p:cNvPr id="46" name="Flowchart: Decision 45"/>
-          <p:cNvSpPr/>
-          <p:nvPr/>
-        </p:nvSpPr>
-        <p:spPr>
-          <a:xfrm>
-            <a:off x="9603183" y="129309"/>
-            <a:ext cx="1048604" cy="343892"/>
-          </a:xfrm>
-          <a:prstGeom prst="flowChartDecision">
-            <a:avLst/>
-          </a:prstGeom>
-        </p:spPr>
-        <p:style>
-          <a:lnRef idx="2">
-            <a:schemeClr val="accent1">
-              <a:shade val="50000"/>
-            </a:schemeClr>
-          </a:lnRef>
-          <a:fillRef idx="1">
-            <a:schemeClr val="accent1"/>
-          </a:fillRef>
-          <a:effectRef idx="0">
-            <a:schemeClr val="accent1"/>
-          </a:effectRef>
-          <a:fontRef idx="minor">
-            <a:schemeClr val="lt1"/>
-          </a:fontRef>
-        </p:style>
-        <p:txBody>
-          <a:bodyPr rot="0" spcFirstLastPara="0" vertOverflow="overflow" horzOverflow="overflow" vert="horz" wrap="square" lIns="0" tIns="0" rIns="0" bIns="0" numCol="1" spcCol="0" rtlCol="0" fromWordArt="0" anchor="ctr" anchorCtr="0" forceAA="0" compatLnSpc="1">
-            <a:prstTxWarp prst="textNoShape">
-              <a:avLst/>
-            </a:prstTxWarp>
-            <a:noAutofit/>
-          </a:bodyPr>
-          <a:lstStyle/>
-          <a:p>
-            <a:pPr algn="ctr"/>
-            <a:r>
-              <a:rPr lang="en-US" sz="800" dirty="0"/>
-              <a:t>a</a:t>
-            </a:r>
-            <a:r>
-              <a:rPr lang="en-US" sz="800" dirty="0" smtClean="0"/>
-              <a:t>ttribute</a:t>
-            </a:r>
-          </a:p>
-          <a:p>
-            <a:pPr algn="ctr"/>
-            <a:r>
-              <a:rPr lang="en-US" sz="800" dirty="0" smtClean="0"/>
-              <a:t>relationship</a:t>
-            </a:r>
-            <a:endParaRPr lang="en-US" sz="800" dirty="0"/>
-          </a:p>
-        </p:txBody>
-      </p:sp>
       <p:grpSp>
         <p:nvGrpSpPr>
-          <p:cNvPr id="47" name="Group 46"/>
+          <p:cNvPr id="216" name="Group 215"/>
           <p:cNvGrpSpPr/>
           <p:nvPr/>
         </p:nvGrpSpPr>
         <p:grpSpPr>
           <a:xfrm>
-            <a:off x="10835483" y="123788"/>
-            <a:ext cx="798700" cy="354934"/>
+            <a:off x="7100520" y="1815455"/>
+            <a:ext cx="1475085" cy="655512"/>
             <a:chOff x="4258733" y="3107267"/>
             <a:chExt cx="1060704" cy="612648"/>
           </a:xfrm>
         </p:grpSpPr>
         <p:sp>
           <p:nvSpPr>
-            <p:cNvPr id="49" name="Flowchart: Preparation 48"/>
+            <p:cNvPr id="217" name="Flowchart: Preparation 216"/>
             <p:cNvSpPr/>
             <p:nvPr/>
           </p:nvSpPr>
@@ -4792,7 +4685,242 @@
         </p:sp>
         <p:sp>
           <p:nvSpPr>
-            <p:cNvPr id="50" name="Flowchart: Preparation 49"/>
+            <p:cNvPr id="218" name="Flowchart: Preparation 217"/>
+            <p:cNvSpPr/>
+            <p:nvPr/>
+          </p:nvSpPr>
+          <p:spPr>
+            <a:xfrm>
+              <a:off x="4334933" y="3151279"/>
+              <a:ext cx="908304" cy="524624"/>
+            </a:xfrm>
+            <a:prstGeom prst="flowChartPreparation">
+              <a:avLst/>
+            </a:prstGeom>
+          </p:spPr>
+          <p:style>
+            <a:lnRef idx="2">
+              <a:schemeClr val="accent6">
+                <a:shade val="50000"/>
+              </a:schemeClr>
+            </a:lnRef>
+            <a:fillRef idx="1">
+              <a:schemeClr val="accent6"/>
+            </a:fillRef>
+            <a:effectRef idx="0">
+              <a:schemeClr val="accent6"/>
+            </a:effectRef>
+            <a:fontRef idx="minor">
+              <a:schemeClr val="lt1"/>
+            </a:fontRef>
+          </p:style>
+          <p:txBody>
+            <a:bodyPr rot="0" spcFirstLastPara="0" vertOverflow="overflow" horzOverflow="overflow" vert="horz" wrap="square" lIns="97838" tIns="48919" rIns="97838" bIns="48919" numCol="1" spcCol="0" rtlCol="0" fromWordArt="0" anchor="ctr" anchorCtr="0" forceAA="0" compatLnSpc="1">
+              <a:prstTxWarp prst="textNoShape">
+                <a:avLst/>
+              </a:prstTxWarp>
+              <a:noAutofit/>
+            </a:bodyPr>
+            <a:lstStyle/>
+            <a:p>
+              <a:pPr algn="ctr"/>
+              <a:r>
+                <a:rPr lang="en-US" sz="1391" dirty="0" smtClean="0"/>
+                <a:t>within</a:t>
+              </a:r>
+              <a:endParaRPr lang="en-US" sz="1391" dirty="0"/>
+            </a:p>
+          </p:txBody>
+        </p:sp>
+      </p:grpSp>
+      <p:cxnSp>
+        <p:nvCxnSpPr>
+          <p:cNvPr id="220" name="Elbow Connector 219"/>
+          <p:cNvCxnSpPr>
+            <a:stCxn id="217" idx="3"/>
+            <a:endCxn id="33" idx="0"/>
+          </p:cNvCxnSpPr>
+          <p:nvPr/>
+        </p:nvCxnSpPr>
+        <p:spPr>
+          <a:xfrm>
+            <a:off x="8575605" y="2143211"/>
+            <a:ext cx="1214397" cy="515154"/>
+          </a:xfrm>
+          <a:prstGeom prst="bentConnector2">
+            <a:avLst/>
+          </a:prstGeom>
+        </p:spPr>
+        <p:style>
+          <a:lnRef idx="1">
+            <a:schemeClr val="dk1"/>
+          </a:lnRef>
+          <a:fillRef idx="0">
+            <a:schemeClr val="dk1"/>
+          </a:fillRef>
+          <a:effectRef idx="0">
+            <a:schemeClr val="dk1"/>
+          </a:effectRef>
+          <a:fontRef idx="minor">
+            <a:schemeClr val="tx1"/>
+          </a:fontRef>
+        </p:style>
+      </p:cxnSp>
+      <p:cxnSp>
+        <p:nvCxnSpPr>
+          <p:cNvPr id="223" name="Elbow Connector 222"/>
+          <p:cNvCxnSpPr>
+            <a:stCxn id="217" idx="1"/>
+            <a:endCxn id="30" idx="0"/>
+          </p:cNvCxnSpPr>
+          <p:nvPr/>
+        </p:nvCxnSpPr>
+        <p:spPr>
+          <a:xfrm rot="10800000" flipV="1">
+            <a:off x="5899650" y="2143210"/>
+            <a:ext cx="1200871" cy="523605"/>
+          </a:xfrm>
+          <a:prstGeom prst="bentConnector2">
+            <a:avLst/>
+          </a:prstGeom>
+        </p:spPr>
+        <p:style>
+          <a:lnRef idx="1">
+            <a:schemeClr val="dk1"/>
+          </a:lnRef>
+          <a:fillRef idx="0">
+            <a:schemeClr val="dk1"/>
+          </a:fillRef>
+          <a:effectRef idx="0">
+            <a:schemeClr val="dk1"/>
+          </a:effectRef>
+          <a:fontRef idx="minor">
+            <a:schemeClr val="tx1"/>
+          </a:fontRef>
+        </p:style>
+      </p:cxnSp>
+      <p:sp>
+        <p:nvSpPr>
+          <p:cNvPr id="224" name="Flowchart: Decision 223"/>
+          <p:cNvSpPr/>
+          <p:nvPr/>
+        </p:nvSpPr>
+        <p:spPr>
+          <a:xfrm>
+            <a:off x="9603183" y="129309"/>
+            <a:ext cx="1048604" cy="343892"/>
+          </a:xfrm>
+          <a:prstGeom prst="flowChartDecision">
+            <a:avLst/>
+          </a:prstGeom>
+        </p:spPr>
+        <p:style>
+          <a:lnRef idx="2">
+            <a:schemeClr val="accent1">
+              <a:shade val="50000"/>
+            </a:schemeClr>
+          </a:lnRef>
+          <a:fillRef idx="1">
+            <a:schemeClr val="accent1"/>
+          </a:fillRef>
+          <a:effectRef idx="0">
+            <a:schemeClr val="accent1"/>
+          </a:effectRef>
+          <a:fontRef idx="minor">
+            <a:schemeClr val="lt1"/>
+          </a:fontRef>
+        </p:style>
+        <p:txBody>
+          <a:bodyPr rot="0" spcFirstLastPara="0" vertOverflow="overflow" horzOverflow="overflow" vert="horz" wrap="square" lIns="0" tIns="0" rIns="0" bIns="0" numCol="1" spcCol="0" rtlCol="0" fromWordArt="0" anchor="ctr" anchorCtr="0" forceAA="0" compatLnSpc="1">
+            <a:prstTxWarp prst="textNoShape">
+              <a:avLst/>
+            </a:prstTxWarp>
+            <a:noAutofit/>
+          </a:bodyPr>
+          <a:lstStyle/>
+          <a:p>
+            <a:pPr algn="ctr"/>
+            <a:r>
+              <a:rPr lang="en-US" sz="800" dirty="0"/>
+              <a:t>a</a:t>
+            </a:r>
+            <a:r>
+              <a:rPr lang="en-US" sz="800" dirty="0" smtClean="0"/>
+              <a:t>ttribute</a:t>
+            </a:r>
+          </a:p>
+          <a:p>
+            <a:pPr algn="ctr"/>
+            <a:r>
+              <a:rPr lang="en-US" sz="800" dirty="0" smtClean="0"/>
+              <a:t>relationship</a:t>
+            </a:r>
+            <a:endParaRPr lang="en-US" sz="800" dirty="0"/>
+          </a:p>
+        </p:txBody>
+      </p:sp>
+      <p:grpSp>
+        <p:nvGrpSpPr>
+          <p:cNvPr id="225" name="Group 224"/>
+          <p:cNvGrpSpPr/>
+          <p:nvPr/>
+        </p:nvGrpSpPr>
+        <p:grpSpPr>
+          <a:xfrm>
+            <a:off x="10835483" y="123788"/>
+            <a:ext cx="798700" cy="354934"/>
+            <a:chOff x="4258733" y="3107267"/>
+            <a:chExt cx="1060704" cy="612648"/>
+          </a:xfrm>
+        </p:grpSpPr>
+        <p:sp>
+          <p:nvSpPr>
+            <p:cNvPr id="226" name="Flowchart: Preparation 225"/>
+            <p:cNvSpPr/>
+            <p:nvPr/>
+          </p:nvSpPr>
+          <p:spPr>
+            <a:xfrm>
+              <a:off x="4258733" y="3107267"/>
+              <a:ext cx="1060704" cy="612648"/>
+            </a:xfrm>
+            <a:prstGeom prst="flowChartPreparation">
+              <a:avLst/>
+            </a:prstGeom>
+          </p:spPr>
+          <p:style>
+            <a:lnRef idx="2">
+              <a:schemeClr val="accent6">
+                <a:shade val="50000"/>
+              </a:schemeClr>
+            </a:lnRef>
+            <a:fillRef idx="1">
+              <a:schemeClr val="accent6"/>
+            </a:fillRef>
+            <a:effectRef idx="0">
+              <a:schemeClr val="accent6"/>
+            </a:effectRef>
+            <a:fontRef idx="minor">
+              <a:schemeClr val="lt1"/>
+            </a:fontRef>
+          </p:style>
+          <p:txBody>
+            <a:bodyPr rot="0" spcFirstLastPara="0" vertOverflow="overflow" horzOverflow="overflow" vert="horz" wrap="square" lIns="97838" tIns="48919" rIns="97838" bIns="48919" numCol="1" spcCol="0" rtlCol="0" fromWordArt="0" anchor="ctr" anchorCtr="0" forceAA="0" compatLnSpc="1">
+              <a:prstTxWarp prst="textNoShape">
+                <a:avLst/>
+              </a:prstTxWarp>
+              <a:noAutofit/>
+            </a:bodyPr>
+            <a:lstStyle/>
+            <a:p>
+              <a:pPr algn="ctr"/>
+              <a:endParaRPr lang="en-US" sz="1391"/>
+            </a:p>
+          </p:txBody>
+        </p:sp>
+        <p:sp>
+          <p:nvSpPr>
+            <p:cNvPr id="227" name="Flowchart: Preparation 226"/>
             <p:cNvSpPr/>
             <p:nvPr/>
           </p:nvSpPr>
@@ -4844,6 +4972,238 @@
           </p:txBody>
         </p:sp>
       </p:grpSp>
+      <p:grpSp>
+        <p:nvGrpSpPr>
+          <p:cNvPr id="60" name="Group 59"/>
+          <p:cNvGrpSpPr/>
+          <p:nvPr/>
+        </p:nvGrpSpPr>
+        <p:grpSpPr>
+          <a:xfrm>
+            <a:off x="1146872" y="1305823"/>
+            <a:ext cx="1290383" cy="922392"/>
+            <a:chOff x="977898" y="575734"/>
+            <a:chExt cx="914400" cy="862076"/>
+          </a:xfrm>
+        </p:grpSpPr>
+        <p:sp>
+          <p:nvSpPr>
+            <p:cNvPr id="62" name="Flowchart: Process 61"/>
+            <p:cNvSpPr/>
+            <p:nvPr/>
+          </p:nvSpPr>
+          <p:spPr>
+            <a:xfrm>
+              <a:off x="977898" y="601135"/>
+              <a:ext cx="914400" cy="836675"/>
+            </a:xfrm>
+            <a:prstGeom prst="flowChartProcess">
+              <a:avLst/>
+            </a:prstGeom>
+          </p:spPr>
+          <p:style>
+            <a:lnRef idx="2">
+              <a:schemeClr val="dk1"/>
+            </a:lnRef>
+            <a:fillRef idx="1">
+              <a:schemeClr val="lt1"/>
+            </a:fillRef>
+            <a:effectRef idx="0">
+              <a:schemeClr val="dk1"/>
+            </a:effectRef>
+            <a:fontRef idx="minor">
+              <a:schemeClr val="dk1"/>
+            </a:fontRef>
+          </p:style>
+          <p:txBody>
+            <a:bodyPr rot="0" spcFirstLastPara="0" vertOverflow="overflow" horzOverflow="overflow" vert="horz" wrap="square" lIns="97838" tIns="48919" rIns="97838" bIns="0" numCol="1" spcCol="0" rtlCol="0" fromWordArt="0" anchor="b" anchorCtr="0" forceAA="0" compatLnSpc="1">
+              <a:prstTxWarp prst="textNoShape">
+                <a:avLst/>
+              </a:prstTxWarp>
+              <a:noAutofit/>
+            </a:bodyPr>
+            <a:lstStyle/>
+            <a:p>
+              <a:pPr algn="ctr"/>
+              <a:r>
+                <a:rPr lang="en-US" sz="1605" dirty="0"/>
+                <a:t>POINT</a:t>
+              </a:r>
+            </a:p>
+          </p:txBody>
+        </p:sp>
+        <p:sp>
+          <p:nvSpPr>
+            <p:cNvPr id="63" name="Flowchart: Process 62"/>
+            <p:cNvSpPr/>
+            <p:nvPr/>
+          </p:nvSpPr>
+          <p:spPr>
+            <a:xfrm>
+              <a:off x="977898" y="575734"/>
+              <a:ext cx="914400" cy="612648"/>
+            </a:xfrm>
+            <a:prstGeom prst="flowChartProcess">
+              <a:avLst/>
+            </a:prstGeom>
+          </p:spPr>
+          <p:style>
+            <a:lnRef idx="2">
+              <a:schemeClr val="dk1"/>
+            </a:lnRef>
+            <a:fillRef idx="1">
+              <a:schemeClr val="lt1"/>
+            </a:fillRef>
+            <a:effectRef idx="0">
+              <a:schemeClr val="dk1"/>
+            </a:effectRef>
+            <a:fontRef idx="minor">
+              <a:schemeClr val="dk1"/>
+            </a:fontRef>
+          </p:style>
+          <p:txBody>
+            <a:bodyPr rot="0" spcFirstLastPara="0" vertOverflow="overflow" horzOverflow="overflow" vert="horz" wrap="square" lIns="97838" tIns="48919" rIns="97838" bIns="48919" numCol="1" spcCol="0" rtlCol="0" fromWordArt="0" anchor="ctr" anchorCtr="0" forceAA="0" compatLnSpc="1">
+              <a:prstTxWarp prst="textNoShape">
+                <a:avLst/>
+              </a:prstTxWarp>
+              <a:noAutofit/>
+            </a:bodyPr>
+            <a:lstStyle/>
+            <a:p>
+              <a:pPr algn="ctr"/>
+              <a:r>
+                <a:rPr lang="en-US" sz="1605" dirty="0" smtClean="0"/>
+                <a:t>NLA Site (2007/2012)</a:t>
+              </a:r>
+              <a:endParaRPr lang="en-US" sz="1605" dirty="0"/>
+            </a:p>
+          </p:txBody>
+        </p:sp>
+      </p:grpSp>
+      <p:sp>
+        <p:nvSpPr>
+          <p:cNvPr id="73" name="Flowchart: Decision 72"/>
+          <p:cNvSpPr/>
+          <p:nvPr/>
+        </p:nvSpPr>
+        <p:spPr>
+          <a:xfrm>
+            <a:off x="5204712" y="1271238"/>
+            <a:ext cx="1389870" cy="672426"/>
+          </a:xfrm>
+          <a:prstGeom prst="flowChartDecision">
+            <a:avLst/>
+          </a:prstGeom>
+        </p:spPr>
+        <p:style>
+          <a:lnRef idx="2">
+            <a:schemeClr val="accent3">
+              <a:shade val="50000"/>
+            </a:schemeClr>
+          </a:lnRef>
+          <a:fillRef idx="1">
+            <a:schemeClr val="accent3"/>
+          </a:fillRef>
+          <a:effectRef idx="0">
+            <a:schemeClr val="accent3"/>
+          </a:effectRef>
+          <a:fontRef idx="minor">
+            <a:schemeClr val="lt1"/>
+          </a:fontRef>
+        </p:style>
+        <p:txBody>
+          <a:bodyPr rot="0" spcFirstLastPara="0" vertOverflow="overflow" horzOverflow="overflow" vert="horz" wrap="square" lIns="97838" tIns="48919" rIns="97838" bIns="48919" numCol="1" spcCol="0" rtlCol="0" fromWordArt="0" anchor="ctr" anchorCtr="0" forceAA="0" compatLnSpc="1">
+            <a:prstTxWarp prst="textNoShape">
+              <a:avLst/>
+            </a:prstTxWarp>
+            <a:noAutofit/>
+          </a:bodyPr>
+          <a:lstStyle/>
+          <a:p>
+            <a:pPr algn="ctr"/>
+            <a:r>
+              <a:rPr lang="en-US" sz="1391" dirty="0"/>
+              <a:t>shares </a:t>
+            </a:r>
+            <a:r>
+              <a:rPr lang="en-US" sz="1391" dirty="0" smtClean="0"/>
+              <a:t>id</a:t>
+            </a:r>
+            <a:endParaRPr lang="en-US" sz="1391" dirty="0"/>
+          </a:p>
+        </p:txBody>
+      </p:sp>
+      <p:cxnSp>
+        <p:nvCxnSpPr>
+          <p:cNvPr id="24" name="Straight Connector 23"/>
+          <p:cNvCxnSpPr>
+            <a:stCxn id="63" idx="3"/>
+            <a:endCxn id="73" idx="1"/>
+          </p:cNvCxnSpPr>
+          <p:nvPr/>
+        </p:nvCxnSpPr>
+        <p:spPr>
+          <a:xfrm flipV="1">
+            <a:off x="2437255" y="1607451"/>
+            <a:ext cx="2767457" cy="26129"/>
+          </a:xfrm>
+          <a:prstGeom prst="line">
+            <a:avLst/>
+          </a:prstGeom>
+          <a:ln>
+            <a:solidFill>
+              <a:schemeClr val="tx1"/>
+            </a:solidFill>
+          </a:ln>
+        </p:spPr>
+        <p:style>
+          <a:lnRef idx="1">
+            <a:schemeClr val="accent1"/>
+          </a:lnRef>
+          <a:fillRef idx="0">
+            <a:schemeClr val="accent1"/>
+          </a:fillRef>
+          <a:effectRef idx="0">
+            <a:schemeClr val="accent1"/>
+          </a:effectRef>
+          <a:fontRef idx="minor">
+            <a:schemeClr val="tx1"/>
+          </a:fontRef>
+        </p:style>
+      </p:cxnSp>
+      <p:cxnSp>
+        <p:nvCxnSpPr>
+          <p:cNvPr id="79" name="Elbow Connector 78"/>
+          <p:cNvCxnSpPr>
+            <a:stCxn id="73" idx="3"/>
+            <a:endCxn id="33" idx="0"/>
+          </p:cNvCxnSpPr>
+          <p:nvPr/>
+        </p:nvCxnSpPr>
+        <p:spPr>
+          <a:xfrm>
+            <a:off x="6594582" y="1607451"/>
+            <a:ext cx="3195420" cy="1050914"/>
+          </a:xfrm>
+          <a:prstGeom prst="bentConnector2">
+            <a:avLst/>
+          </a:prstGeom>
+        </p:spPr>
+        <p:style>
+          <a:lnRef idx="1">
+            <a:schemeClr val="dk1"/>
+          </a:lnRef>
+          <a:fillRef idx="0">
+            <a:schemeClr val="dk1"/>
+          </a:fillRef>
+          <a:effectRef idx="0">
+            <a:schemeClr val="dk1"/>
+          </a:effectRef>
+          <a:fontRef idx="minor">
+            <a:schemeClr val="tx1"/>
+          </a:fontRef>
+        </p:style>
+      </p:cxnSp>
     </p:spTree>
     <p:extLst>
       <p:ext uri="{BB962C8B-B14F-4D97-AF65-F5344CB8AC3E}">
